--- a/images/theory_analysis/OpenTracing/OpenTracing.pptx
+++ b/images/theory_analysis/OpenTracing/OpenTracing.pptx
@@ -4280,8 +4280,8 @@
         </p:nvSpPr>
         <p:spPr>
           <a:xfrm>
-            <a:off x="1363779" y="3651870"/>
-            <a:ext cx="1951946" cy="307777"/>
+            <a:off x="1321781" y="3651870"/>
+            <a:ext cx="2035943" cy="307777"/>
           </a:xfrm>
           <a:prstGeom prst="rect">
             <a:avLst/>
@@ -4297,7 +4297,7 @@
             <a:pPr algn="ctr"/>
             <a:r>
               <a:rPr lang="en-US" altLang="ko-KR" sz="1400"/>
-              <a:t>Directed Acylic Graph</a:t>
+              <a:t>Directed Acyclic Graph</a:t>
             </a:r>
             <a:endParaRPr lang="ko-KR" altLang="en-US" sz="1400"/>
           </a:p>
